--- a/day 3/SAC_Training Day 3.pptx
+++ b/day 3/SAC_Training Day 3.pptx
@@ -208,7 +208,7 @@
           <a:p>
             <a:fld id="{4AF2A06D-4991-4208-8C88-4E8BAD69A8B8}" type="datetimeFigureOut">
               <a:rPr lang="en-US" smtClean="0"/>
-              <a:t>6/20/2023</a:t>
+              <a:t>6/23/2023</a:t>
             </a:fld>
             <a:endParaRPr lang="en-US"/>
           </a:p>
@@ -832,7 +832,7 @@
           <a:p>
             <a:fld id="{E26E0DA5-0C76-4851-AA82-0B75261F9EB4}" type="datetimeFigureOut">
               <a:rPr lang="en-US" smtClean="0"/>
-              <a:t>6/20/2023</a:t>
+              <a:t>6/23/2023</a:t>
             </a:fld>
             <a:endParaRPr lang="en-US"/>
           </a:p>
@@ -1000,7 +1000,7 @@
           <a:p>
             <a:fld id="{E26E0DA5-0C76-4851-AA82-0B75261F9EB4}" type="datetimeFigureOut">
               <a:rPr lang="en-US" smtClean="0"/>
-              <a:t>6/20/2023</a:t>
+              <a:t>6/23/2023</a:t>
             </a:fld>
             <a:endParaRPr lang="en-US"/>
           </a:p>
@@ -1178,7 +1178,7 @@
           <a:p>
             <a:fld id="{E26E0DA5-0C76-4851-AA82-0B75261F9EB4}" type="datetimeFigureOut">
               <a:rPr lang="en-US" smtClean="0"/>
-              <a:t>6/20/2023</a:t>
+              <a:t>6/23/2023</a:t>
             </a:fld>
             <a:endParaRPr lang="en-US"/>
           </a:p>
@@ -1505,7 +1505,7 @@
             <a:fld id="{9578D6DB-6798-42D2-B9AD-FC6F1C72FC30}" type="datetimeFigureOut">
               <a:rPr lang="en-US" smtClean="0"/>
               <a:pPr/>
-              <a:t>6/20/2023</a:t>
+              <a:t>6/23/2023</a:t>
             </a:fld>
             <a:endParaRPr lang="en-US"/>
           </a:p>
@@ -1747,7 +1747,7 @@
             <a:fld id="{425404F2-BE9A-4460-8815-8F645183555F}" type="datetimeFigureOut">
               <a:rPr lang="en-US" smtClean="0"/>
               <a:pPr/>
-              <a:t>6/20/2023</a:t>
+              <a:t>6/23/2023</a:t>
             </a:fld>
             <a:endParaRPr lang="en-US"/>
           </a:p>
@@ -1875,7 +1875,7 @@
             <a:fld id="{425404F2-BE9A-4460-8815-8F645183555F}" type="datetimeFigureOut">
               <a:rPr lang="en-US" smtClean="0"/>
               <a:pPr/>
-              <a:t>6/20/2023</a:t>
+              <a:t>6/23/2023</a:t>
             </a:fld>
             <a:endParaRPr lang="en-US"/>
           </a:p>
@@ -2125,7 +2125,7 @@
             <a:fld id="{425404F2-BE9A-4460-8815-8F645183555F}" type="datetimeFigureOut">
               <a:rPr lang="en-US" smtClean="0"/>
               <a:pPr/>
-              <a:t>6/20/2023</a:t>
+              <a:t>6/23/2023</a:t>
             </a:fld>
             <a:endParaRPr lang="en-US"/>
           </a:p>
@@ -2295,7 +2295,7 @@
             <a:fld id="{425404F2-BE9A-4460-8815-8F645183555F}" type="datetimeFigureOut">
               <a:rPr lang="en-US" smtClean="0"/>
               <a:pPr/>
-              <a:t>6/20/2023</a:t>
+              <a:t>6/23/2023</a:t>
             </a:fld>
             <a:endParaRPr lang="en-US"/>
           </a:p>
@@ -2582,7 +2582,7 @@
             <a:fld id="{425404F2-BE9A-4460-8815-8F645183555F}" type="datetimeFigureOut">
               <a:rPr lang="en-US" smtClean="0"/>
               <a:pPr/>
-              <a:t>6/20/2023</a:t>
+              <a:t>6/23/2023</a:t>
             </a:fld>
             <a:endParaRPr lang="en-US"/>
           </a:p>
@@ -3003,7 +3003,7 @@
             <a:fld id="{425404F2-BE9A-4460-8815-8F645183555F}" type="datetimeFigureOut">
               <a:rPr lang="en-US" smtClean="0"/>
               <a:pPr/>
-              <a:t>6/20/2023</a:t>
+              <a:t>6/23/2023</a:t>
             </a:fld>
             <a:endParaRPr lang="en-US"/>
           </a:p>
@@ -3128,7 +3128,7 @@
             <a:fld id="{425404F2-BE9A-4460-8815-8F645183555F}" type="datetimeFigureOut">
               <a:rPr lang="en-US" smtClean="0"/>
               <a:pPr/>
-              <a:t>6/20/2023</a:t>
+              <a:t>6/23/2023</a:t>
             </a:fld>
             <a:endParaRPr lang="en-US"/>
           </a:p>
@@ -3354,7 +3354,7 @@
           <a:p>
             <a:fld id="{E26E0DA5-0C76-4851-AA82-0B75261F9EB4}" type="datetimeFigureOut">
               <a:rPr lang="en-US" smtClean="0"/>
-              <a:t>6/20/2023</a:t>
+              <a:t>6/23/2023</a:t>
             </a:fld>
             <a:endParaRPr lang="en-US"/>
           </a:p>
@@ -3478,7 +3478,7 @@
             <a:fld id="{425404F2-BE9A-4460-8815-8F645183555F}" type="datetimeFigureOut">
               <a:rPr lang="en-US" smtClean="0"/>
               <a:pPr/>
-              <a:t>6/20/2023</a:t>
+              <a:t>6/23/2023</a:t>
             </a:fld>
             <a:endParaRPr lang="en-US"/>
           </a:p>
@@ -4025,7 +4025,7 @@
             <a:fld id="{425404F2-BE9A-4460-8815-8F645183555F}" type="datetimeFigureOut">
               <a:rPr lang="en-US" smtClean="0"/>
               <a:pPr/>
-              <a:t>6/20/2023</a:t>
+              <a:t>6/23/2023</a:t>
             </a:fld>
             <a:endParaRPr lang="en-US"/>
           </a:p>
@@ -4173,7 +4173,7 @@
             <a:fld id="{425404F2-BE9A-4460-8815-8F645183555F}" type="datetimeFigureOut">
               <a:rPr lang="en-US" smtClean="0"/>
               <a:pPr/>
-              <a:t>6/20/2023</a:t>
+              <a:t>6/23/2023</a:t>
             </a:fld>
             <a:endParaRPr lang="en-US"/>
           </a:p>
@@ -4406,7 +4406,7 @@
             <a:fld id="{425404F2-BE9A-4460-8815-8F645183555F}" type="datetimeFigureOut">
               <a:rPr lang="en-US" smtClean="0"/>
               <a:pPr/>
-              <a:t>6/20/2023</a:t>
+              <a:t>6/23/2023</a:t>
             </a:fld>
             <a:endParaRPr lang="en-US"/>
           </a:p>
@@ -4644,7 +4644,7 @@
             <a:fld id="{425404F2-BE9A-4460-8815-8F645183555F}" type="datetimeFigureOut">
               <a:rPr lang="en-US" smtClean="0"/>
               <a:pPr/>
-              <a:t>6/20/2023</a:t>
+              <a:t>6/23/2023</a:t>
             </a:fld>
             <a:endParaRPr lang="en-US"/>
           </a:p>
@@ -4826,7 +4826,7 @@
             <a:fld id="{425404F2-BE9A-4460-8815-8F645183555F}" type="datetimeFigureOut">
               <a:rPr lang="en-US" smtClean="0"/>
               <a:pPr/>
-              <a:t>6/20/2023</a:t>
+              <a:t>6/23/2023</a:t>
             </a:fld>
             <a:endParaRPr lang="en-US"/>
           </a:p>
@@ -5103,7 +5103,7 @@
             <a:fld id="{425404F2-BE9A-4460-8815-8F645183555F}" type="datetimeFigureOut">
               <a:rPr lang="en-US" smtClean="0"/>
               <a:pPr/>
-              <a:t>6/20/2023</a:t>
+              <a:t>6/23/2023</a:t>
             </a:fld>
             <a:endParaRPr lang="en-US"/>
           </a:p>
@@ -5357,7 +5357,7 @@
             <a:fld id="{425404F2-BE9A-4460-8815-8F645183555F}" type="datetimeFigureOut">
               <a:rPr lang="en-US" smtClean="0"/>
               <a:pPr/>
-              <a:t>6/20/2023</a:t>
+              <a:t>6/23/2023</a:t>
             </a:fld>
             <a:endParaRPr lang="en-US"/>
           </a:p>
@@ -5527,7 +5527,7 @@
             <a:fld id="{425404F2-BE9A-4460-8815-8F645183555F}" type="datetimeFigureOut">
               <a:rPr lang="en-US" smtClean="0"/>
               <a:pPr/>
-              <a:t>6/20/2023</a:t>
+              <a:t>6/23/2023</a:t>
             </a:fld>
             <a:endParaRPr lang="en-US"/>
           </a:p>
@@ -5707,7 +5707,7 @@
             <a:fld id="{425404F2-BE9A-4460-8815-8F645183555F}" type="datetimeFigureOut">
               <a:rPr lang="en-US" smtClean="0"/>
               <a:pPr/>
-              <a:t>6/20/2023</a:t>
+              <a:t>6/23/2023</a:t>
             </a:fld>
             <a:endParaRPr lang="en-US"/>
           </a:p>
@@ -5953,7 +5953,7 @@
           <a:p>
             <a:fld id="{E26E0DA5-0C76-4851-AA82-0B75261F9EB4}" type="datetimeFigureOut">
               <a:rPr lang="en-US" smtClean="0"/>
-              <a:t>6/20/2023</a:t>
+              <a:t>6/23/2023</a:t>
             </a:fld>
             <a:endParaRPr lang="en-US"/>
           </a:p>
@@ -6182,7 +6182,7 @@
           <a:p>
             <a:fld id="{E26E0DA5-0C76-4851-AA82-0B75261F9EB4}" type="datetimeFigureOut">
               <a:rPr lang="en-US" smtClean="0"/>
-              <a:t>6/20/2023</a:t>
+              <a:t>6/23/2023</a:t>
             </a:fld>
             <a:endParaRPr lang="en-US"/>
           </a:p>
@@ -6546,7 +6546,7 @@
           <a:p>
             <a:fld id="{E26E0DA5-0C76-4851-AA82-0B75261F9EB4}" type="datetimeFigureOut">
               <a:rPr lang="en-US" smtClean="0"/>
-              <a:t>6/20/2023</a:t>
+              <a:t>6/23/2023</a:t>
             </a:fld>
             <a:endParaRPr lang="en-US"/>
           </a:p>
@@ -6663,7 +6663,7 @@
           <a:p>
             <a:fld id="{E26E0DA5-0C76-4851-AA82-0B75261F9EB4}" type="datetimeFigureOut">
               <a:rPr lang="en-US" smtClean="0"/>
-              <a:t>6/20/2023</a:t>
+              <a:t>6/23/2023</a:t>
             </a:fld>
             <a:endParaRPr lang="en-US"/>
           </a:p>
@@ -6758,7 +6758,7 @@
           <a:p>
             <a:fld id="{E26E0DA5-0C76-4851-AA82-0B75261F9EB4}" type="datetimeFigureOut">
               <a:rPr lang="en-US" smtClean="0"/>
-              <a:t>6/20/2023</a:t>
+              <a:t>6/23/2023</a:t>
             </a:fld>
             <a:endParaRPr lang="en-US"/>
           </a:p>
@@ -7033,7 +7033,7 @@
           <a:p>
             <a:fld id="{E26E0DA5-0C76-4851-AA82-0B75261F9EB4}" type="datetimeFigureOut">
               <a:rPr lang="en-US" smtClean="0"/>
-              <a:t>6/20/2023</a:t>
+              <a:t>6/23/2023</a:t>
             </a:fld>
             <a:endParaRPr lang="en-US"/>
           </a:p>
@@ -7285,7 +7285,7 @@
           <a:p>
             <a:fld id="{E26E0DA5-0C76-4851-AA82-0B75261F9EB4}" type="datetimeFigureOut">
               <a:rPr lang="en-US" smtClean="0"/>
-              <a:t>6/20/2023</a:t>
+              <a:t>6/23/2023</a:t>
             </a:fld>
             <a:endParaRPr lang="en-US"/>
           </a:p>
@@ -7496,7 +7496,7 @@
           <a:p>
             <a:fld id="{E26E0DA5-0C76-4851-AA82-0B75261F9EB4}" type="datetimeFigureOut">
               <a:rPr lang="en-US" smtClean="0"/>
-              <a:t>6/20/2023</a:t>
+              <a:t>6/23/2023</a:t>
             </a:fld>
             <a:endParaRPr lang="en-US"/>
           </a:p>
@@ -8053,7 +8053,7 @@
             <a:fld id="{425404F2-BE9A-4460-8815-8F645183555F}" type="datetimeFigureOut">
               <a:rPr lang="en-US" smtClean="0"/>
               <a:pPr/>
-              <a:t>6/20/2023</a:t>
+              <a:t>6/23/2023</a:t>
             </a:fld>
             <a:endParaRPr lang="en-US"/>
           </a:p>
@@ -9163,7 +9163,7 @@
         <p:spPr>
           <a:xfrm>
             <a:off x="247878" y="982353"/>
-            <a:ext cx="11696243" cy="4770537"/>
+            <a:ext cx="11696243" cy="2800767"/>
           </a:xfrm>
           <a:prstGeom prst="rect">
             <a:avLst/>
@@ -9512,42 +9512,6 @@
               <a:tabLst/>
               <a:defRPr/>
             </a:pPr>
-            <a:r>
-              <a:rPr kumimoji="0" lang="en-US" sz="1600" b="0" i="0" u="none" strike="noStrike" kern="1200" cap="none" spc="0" normalizeH="0" baseline="0" noProof="0" dirty="0">
-                <a:ln>
-                  <a:noFill/>
-                </a:ln>
-                <a:solidFill>
-                  <a:prstClr val="black"/>
-                </a:solidFill>
-                <a:effectLst/>
-                <a:uLnTx/>
-                <a:uFillTx/>
-                <a:latin typeface="Calibri" panose="020F0502020204030204"/>
-                <a:ea typeface="+mn-ea"/>
-                <a:cs typeface="+mn-cs"/>
-              </a:rPr>
-              <a:t>---Break---</a:t>
-            </a:r>
-          </a:p>
-          <a:p>
-            <a:pPr marL="0" marR="0" lvl="0" indent="0" algn="l" defTabSz="914400" rtl="0" eaLnBrk="1" fontAlgn="auto" latinLnBrk="0" hangingPunct="1">
-              <a:lnSpc>
-                <a:spcPct val="100000"/>
-              </a:lnSpc>
-              <a:spcBef>
-                <a:spcPts val="0"/>
-              </a:spcBef>
-              <a:spcAft>
-                <a:spcPts val="0"/>
-              </a:spcAft>
-              <a:buClrTx/>
-              <a:buSzTx/>
-              <a:buFontTx/>
-              <a:buNone/>
-              <a:tabLst/>
-              <a:defRPr/>
-            </a:pPr>
             <a:endParaRPr kumimoji="0" lang="en-US" sz="1600" b="1" i="0" u="none" strike="noStrike" kern="1200" cap="none" spc="0" normalizeH="0" baseline="0" noProof="0" dirty="0">
               <a:ln>
                 <a:noFill/>
@@ -9562,250 +9526,6 @@
               <a:ea typeface="+mn-ea"/>
               <a:cs typeface="+mn-cs"/>
             </a:endParaRPr>
-          </a:p>
-          <a:p>
-            <a:pPr marL="0" marR="0" lvl="0" indent="0" algn="l" defTabSz="914400" rtl="0" eaLnBrk="1" fontAlgn="auto" latinLnBrk="0" hangingPunct="1">
-              <a:lnSpc>
-                <a:spcPct val="100000"/>
-              </a:lnSpc>
-              <a:spcBef>
-                <a:spcPts val="0"/>
-              </a:spcBef>
-              <a:spcAft>
-                <a:spcPts val="0"/>
-              </a:spcAft>
-              <a:buClrTx/>
-              <a:buSzTx/>
-              <a:buFontTx/>
-              <a:buNone/>
-              <a:tabLst/>
-              <a:defRPr/>
-            </a:pPr>
-            <a:r>
-              <a:rPr kumimoji="0" lang="en-US" sz="1600" b="1" i="0" u="none" strike="noStrike" kern="1200" cap="none" spc="0" normalizeH="0" baseline="0" noProof="0" dirty="0">
-                <a:ln>
-                  <a:noFill/>
-                </a:ln>
-                <a:solidFill>
-                  <a:prstClr val="black"/>
-                </a:solidFill>
-                <a:effectLst/>
-                <a:uLnTx/>
-                <a:uFillTx/>
-                <a:latin typeface="Calibri" panose="020F0502020204030204"/>
-                <a:ea typeface="+mn-ea"/>
-                <a:cs typeface="+mn-cs"/>
-              </a:rPr>
-              <a:t>Model updates &amp; Advance BI</a:t>
-            </a:r>
-          </a:p>
-          <a:p>
-            <a:pPr marL="0" marR="0" lvl="0" indent="0" algn="l" defTabSz="914400" rtl="0" eaLnBrk="1" fontAlgn="auto" latinLnBrk="0" hangingPunct="1">
-              <a:lnSpc>
-                <a:spcPct val="100000"/>
-              </a:lnSpc>
-              <a:spcBef>
-                <a:spcPts val="0"/>
-              </a:spcBef>
-              <a:spcAft>
-                <a:spcPts val="0"/>
-              </a:spcAft>
-              <a:buClrTx/>
-              <a:buSzTx/>
-              <a:buFontTx/>
-              <a:buNone/>
-              <a:tabLst/>
-              <a:defRPr/>
-            </a:pPr>
-            <a:r>
-              <a:rPr kumimoji="0" lang="en-US" sz="1600" b="0" i="0" u="none" strike="noStrike" kern="1200" cap="none" spc="0" normalizeH="0" baseline="0" noProof="0" dirty="0">
-                <a:ln>
-                  <a:noFill/>
-                </a:ln>
-                <a:solidFill>
-                  <a:prstClr val="black"/>
-                </a:solidFill>
-                <a:effectLst/>
-                <a:uLnTx/>
-                <a:uFillTx/>
-                <a:latin typeface="Calibri" panose="020F0502020204030204"/>
-                <a:ea typeface="+mn-ea"/>
-                <a:cs typeface="+mn-cs"/>
-              </a:rPr>
-              <a:t>                    - Create data model using google drive</a:t>
-            </a:r>
-          </a:p>
-          <a:p>
-            <a:pPr marL="0" marR="0" lvl="0" indent="0" algn="l" defTabSz="914400" rtl="0" eaLnBrk="1" fontAlgn="auto" latinLnBrk="0" hangingPunct="1">
-              <a:lnSpc>
-                <a:spcPct val="100000"/>
-              </a:lnSpc>
-              <a:spcBef>
-                <a:spcPts val="0"/>
-              </a:spcBef>
-              <a:spcAft>
-                <a:spcPts val="0"/>
-              </a:spcAft>
-              <a:buClrTx/>
-              <a:buSzTx/>
-              <a:buFontTx/>
-              <a:buNone/>
-              <a:tabLst/>
-              <a:defRPr/>
-            </a:pPr>
-            <a:r>
-              <a:rPr kumimoji="0" lang="en-US" sz="1600" b="0" i="0" u="none" strike="noStrike" kern="1200" cap="none" spc="0" normalizeH="0" baseline="0" noProof="0" dirty="0">
-                <a:ln>
-                  <a:noFill/>
-                </a:ln>
-                <a:solidFill>
-                  <a:prstClr val="black"/>
-                </a:solidFill>
-                <a:effectLst/>
-                <a:uLnTx/>
-                <a:uFillTx/>
-                <a:latin typeface="Calibri" panose="020F0502020204030204"/>
-                <a:ea typeface="+mn-ea"/>
-                <a:cs typeface="+mn-cs"/>
-              </a:rPr>
-              <a:t>	- Create hierarchies and Basic BI</a:t>
-            </a:r>
-          </a:p>
-          <a:p>
-            <a:pPr marL="0" marR="0" lvl="0" indent="0" algn="l" defTabSz="914400" rtl="0" eaLnBrk="1" fontAlgn="auto" latinLnBrk="0" hangingPunct="1">
-              <a:lnSpc>
-                <a:spcPct val="100000"/>
-              </a:lnSpc>
-              <a:spcBef>
-                <a:spcPts val="0"/>
-              </a:spcBef>
-              <a:spcAft>
-                <a:spcPts val="0"/>
-              </a:spcAft>
-              <a:buClrTx/>
-              <a:buSzTx/>
-              <a:buFontTx/>
-              <a:buNone/>
-              <a:tabLst/>
-              <a:defRPr/>
-            </a:pPr>
-            <a:r>
-              <a:rPr kumimoji="0" lang="en-US" sz="1600" b="0" i="0" u="none" strike="noStrike" kern="1200" cap="none" spc="0" normalizeH="0" baseline="0" noProof="0" dirty="0">
-                <a:ln>
-                  <a:noFill/>
-                </a:ln>
-                <a:solidFill>
-                  <a:prstClr val="black"/>
-                </a:solidFill>
-                <a:effectLst/>
-                <a:uLnTx/>
-                <a:uFillTx/>
-                <a:latin typeface="Calibri" panose="020F0502020204030204"/>
-                <a:ea typeface="+mn-ea"/>
-                <a:cs typeface="+mn-cs"/>
-              </a:rPr>
-              <a:t>	- Update Models using Draft data</a:t>
-            </a:r>
-          </a:p>
-          <a:p>
-            <a:pPr marL="0" marR="0" lvl="0" indent="0" algn="l" defTabSz="914400" rtl="0" eaLnBrk="1" fontAlgn="auto" latinLnBrk="0" hangingPunct="1">
-              <a:lnSpc>
-                <a:spcPct val="100000"/>
-              </a:lnSpc>
-              <a:spcBef>
-                <a:spcPts val="0"/>
-              </a:spcBef>
-              <a:spcAft>
-                <a:spcPts val="0"/>
-              </a:spcAft>
-              <a:buClrTx/>
-              <a:buSzTx/>
-              <a:buFontTx/>
-              <a:buNone/>
-              <a:tabLst/>
-              <a:defRPr/>
-            </a:pPr>
-            <a:r>
-              <a:rPr kumimoji="0" lang="en-US" sz="1600" b="0" i="0" u="none" strike="noStrike" kern="1200" cap="none" spc="0" normalizeH="0" baseline="0" noProof="0" dirty="0">
-                <a:ln>
-                  <a:noFill/>
-                </a:ln>
-                <a:solidFill>
-                  <a:prstClr val="black"/>
-                </a:solidFill>
-                <a:effectLst/>
-                <a:uLnTx/>
-                <a:uFillTx/>
-                <a:latin typeface="Calibri" panose="020F0502020204030204"/>
-                <a:ea typeface="+mn-ea"/>
-                <a:cs typeface="+mn-cs"/>
-              </a:rPr>
-              <a:t>	- Concept of Variance</a:t>
-            </a:r>
-          </a:p>
-          <a:p>
-            <a:pPr marL="0" marR="0" lvl="0" indent="0" algn="l" defTabSz="914400" rtl="0" eaLnBrk="1" fontAlgn="auto" latinLnBrk="0" hangingPunct="1">
-              <a:lnSpc>
-                <a:spcPct val="100000"/>
-              </a:lnSpc>
-              <a:spcBef>
-                <a:spcPts val="0"/>
-              </a:spcBef>
-              <a:spcAft>
-                <a:spcPts val="0"/>
-              </a:spcAft>
-              <a:buClrTx/>
-              <a:buSzTx/>
-              <a:buFontTx/>
-              <a:buNone/>
-              <a:tabLst/>
-              <a:defRPr/>
-            </a:pPr>
-            <a:r>
-              <a:rPr lang="en-US" sz="1600" dirty="0">
-                <a:solidFill>
-                  <a:prstClr val="black"/>
-                </a:solidFill>
-                <a:latin typeface="Calibri" panose="020F0502020204030204"/>
-              </a:rPr>
-              <a:t>	- Create Reference Lines</a:t>
-            </a:r>
-          </a:p>
-          <a:p>
-            <a:pPr marL="0" marR="0" lvl="0" indent="0" algn="l" defTabSz="914400" rtl="0" eaLnBrk="1" fontAlgn="auto" latinLnBrk="0" hangingPunct="1">
-              <a:lnSpc>
-                <a:spcPct val="100000"/>
-              </a:lnSpc>
-              <a:spcBef>
-                <a:spcPts val="0"/>
-              </a:spcBef>
-              <a:spcAft>
-                <a:spcPts val="0"/>
-              </a:spcAft>
-              <a:buClrTx/>
-              <a:buSzTx/>
-              <a:buFontTx/>
-              <a:buNone/>
-              <a:tabLst/>
-              <a:defRPr/>
-            </a:pPr>
-            <a:r>
-              <a:rPr kumimoji="0" lang="en-US" sz="1600" b="0" i="0" u="none" strike="noStrike" kern="1200" cap="none" spc="0" normalizeH="0" baseline="0" noProof="0" dirty="0">
-                <a:ln>
-                  <a:noFill/>
-                </a:ln>
-                <a:solidFill>
-                  <a:prstClr val="black"/>
-                </a:solidFill>
-                <a:effectLst/>
-                <a:uLnTx/>
-                <a:uFillTx/>
-                <a:latin typeface="Calibri" panose="020F0502020204030204"/>
-                <a:ea typeface="+mn-ea"/>
-                <a:cs typeface="+mn-cs"/>
-              </a:rPr>
-              <a:t>	- Conditional Formatting</a:t>
-            </a:r>
           </a:p>
         </p:txBody>
       </p:sp>
